--- a/lectures/lecture-23/Lecture-Live B00/Lecture 23 - Lecture.pptx
+++ b/lectures/lecture-23/Lecture-Live B00/Lecture 23 - Lecture.pptx
@@ -142,6 +142,198 @@
     </p:ext>
   </p:extLst>
 </p:presentation>
+</file>
+
+<file path=ppt/ink/ink1.xml><?xml version="1.0" encoding="utf-8"?>
+<inkml:ink xmlns:inkml="http://www.w3.org/2003/InkML">
+  <inkml:definitions>
+    <inkml:context xml:id="ctx0">
+      <inkml:inkSource xml:id="inkSrc0">
+        <inkml:traceFormat>
+          <inkml:channel name="X" type="integer" min="-2.14748E9" max="2.14748E9" units="cm"/>
+          <inkml:channel name="Y" type="integer" min="-2.14748E9" max="2.14748E9" units="cm"/>
+          <inkml:channel name="F" type="integer" max="32767" units="dev"/>
+          <inkml:channel name="OA" type="integer" max="360" units="deg"/>
+          <inkml:channel name="OE" type="integer" max="90" units="deg"/>
+        </inkml:traceFormat>
+        <inkml:channelProperties>
+          <inkml:channelProperty channel="X" name="resolution" value="1000" units="1/cm"/>
+          <inkml:channelProperty channel="Y" name="resolution" value="1000" units="1/cm"/>
+          <inkml:channelProperty channel="F" name="resolution" value="0" units="1/dev"/>
+          <inkml:channelProperty channel="OA" name="resolution" value="1000" units="1/deg"/>
+          <inkml:channelProperty channel="OE" name="resolution" value="1000" units="1/deg"/>
+        </inkml:channelProperties>
+      </inkml:inkSource>
+      <inkml:timestamp xml:id="ts0" timeString="2020-12-02T18:00:27.900"/>
+    </inkml:context>
+    <inkml:brush xml:id="br0">
+      <inkml:brushProperty name="width" value="0.05" units="cm"/>
+      <inkml:brushProperty name="height" value="0.05" units="cm"/>
+      <inkml:brushProperty name="color" value="#004F8B"/>
+    </inkml:brush>
+  </inkml:definitions>
+  <inkml:trace contextRef="#ctx0" brushRef="#br0">68 12 5528 0 0,'0'0'422'0'0,"-17"1"1054"0"0,-19 7 2711 0 0,21-6 1529 0 0,27 11-4550 0 0,-6-9-1032 0 0,1 0 0 0 0,-1 0 0 0 0,1-1 0 0 0,-1 0 0 0 0,1 0 0 0 0,0-1-1 0 0,0 0 1 0 0,1 0 0 0 0,-1 0 0 0 0,10 0 0 0 0,0 2 105 0 0,23 2 174 0 0,-1-1-1 0 0,1-1 0 0 0,0-3 0 0 0,53-4 0 0 0,160-29 138 0 0,-128 13-129 0 0,-72 12-247 0 0,134-14 494 0 0,-68 17-185 0 0,159 13 0 0 0,-250-6-137 0 0,1 2-1 0 0,-1 1 0 0 0,49 16 1 0 0,-71-20-338 0 0,23 5-6 0 0,-25-7-14 0 0,-3 0-52 0 0</inkml:trace>
+</inkml:ink>
+</file>
+
+<file path=ppt/ink/ink2.xml><?xml version="1.0" encoding="utf-8"?>
+<inkml:ink xmlns:inkml="http://www.w3.org/2003/InkML">
+  <inkml:definitions>
+    <inkml:context xml:id="ctx0">
+      <inkml:inkSource xml:id="inkSrc0">
+        <inkml:traceFormat>
+          <inkml:channel name="X" type="integer" min="-2.14748E9" max="2.14748E9" units="cm"/>
+          <inkml:channel name="Y" type="integer" min="-2.14748E9" max="2.14748E9" units="cm"/>
+          <inkml:channel name="F" type="integer" max="32767" units="dev"/>
+          <inkml:channel name="OA" type="integer" max="360" units="deg"/>
+          <inkml:channel name="OE" type="integer" max="90" units="deg"/>
+        </inkml:traceFormat>
+        <inkml:channelProperties>
+          <inkml:channelProperty channel="X" name="resolution" value="1000" units="1/cm"/>
+          <inkml:channelProperty channel="Y" name="resolution" value="1000" units="1/cm"/>
+          <inkml:channelProperty channel="F" name="resolution" value="0" units="1/dev"/>
+          <inkml:channelProperty channel="OA" name="resolution" value="1000" units="1/deg"/>
+          <inkml:channelProperty channel="OE" name="resolution" value="1000" units="1/deg"/>
+        </inkml:channelProperties>
+      </inkml:inkSource>
+      <inkml:timestamp xml:id="ts0" timeString="2020-12-02T18:00:30.364"/>
+    </inkml:context>
+    <inkml:brush xml:id="br0">
+      <inkml:brushProperty name="width" value="0.05" units="cm"/>
+      <inkml:brushProperty name="height" value="0.05" units="cm"/>
+      <inkml:brushProperty name="color" value="#004F8B"/>
+    </inkml:brush>
+  </inkml:definitions>
+  <inkml:trace contextRef="#ctx0" brushRef="#br0">118 1 4144 0 0,'-54'10'2167'0'0,"15"-2"3328"0"0,27-6-4582 0 0,0 1 5239 0 0,18-1-5574 0 0,242 38 3888 0 0,-120-22-4034 0 0,-84-13-102 0 0,89-4 0 0 0,-68-2-91 0 0,-21 0-103 0 0,41 2 297 0 0,-15-3-146 0 0,-48 1-254 0 0,-22 1-33 0 0,23-2 55 0 0,-1 1-1 0 0,0 1 0 0 0,1 2 1 0 0,37 6-1 0 0,-55-7-32 0 0,-1 0-1 0 0,1 0 0 0 0,0 0 1 0 0,0-1-1 0 0,-1 1 0 0 0,1-1 1 0 0,0 0-1 0 0,9-2 0 0 0,-10 1-664 0 0,0 1-1 0 0,1-1 1 0 0,-1 1-1 0 0,9-1 1 0 0,-7 1-940 0 0</inkml:trace>
+</inkml:ink>
+</file>
+
+<file path=ppt/ink/ink3.xml><?xml version="1.0" encoding="utf-8"?>
+<inkml:ink xmlns:inkml="http://www.w3.org/2003/InkML">
+  <inkml:definitions>
+    <inkml:context xml:id="ctx0">
+      <inkml:inkSource xml:id="inkSrc0">
+        <inkml:traceFormat>
+          <inkml:channel name="X" type="integer" min="-2.14748E9" max="2.14748E9" units="cm"/>
+          <inkml:channel name="Y" type="integer" min="-2.14748E9" max="2.14748E9" units="cm"/>
+          <inkml:channel name="F" type="integer" max="32767" units="dev"/>
+          <inkml:channel name="OA" type="integer" max="360" units="deg"/>
+          <inkml:channel name="OE" type="integer" max="90" units="deg"/>
+        </inkml:traceFormat>
+        <inkml:channelProperties>
+          <inkml:channelProperty channel="X" name="resolution" value="1000" units="1/cm"/>
+          <inkml:channelProperty channel="Y" name="resolution" value="1000" units="1/cm"/>
+          <inkml:channelProperty channel="F" name="resolution" value="0" units="1/dev"/>
+          <inkml:channelProperty channel="OA" name="resolution" value="1000" units="1/deg"/>
+          <inkml:channelProperty channel="OE" name="resolution" value="1000" units="1/deg"/>
+        </inkml:channelProperties>
+      </inkml:inkSource>
+      <inkml:timestamp xml:id="ts0" timeString="2020-12-02T18:00:32.363"/>
+    </inkml:context>
+    <inkml:brush xml:id="br0">
+      <inkml:brushProperty name="width" value="0.05" units="cm"/>
+      <inkml:brushProperty name="height" value="0.05" units="cm"/>
+      <inkml:brushProperty name="color" value="#004F8B"/>
+    </inkml:brush>
+  </inkml:definitions>
+  <inkml:trace contextRef="#ctx0" brushRef="#br0">51 0 10336 0 0,'-2'1'275'0'0,"0"0"1"0"0,-1 0-1 0 0,1-1 1 0 0,0 1-1 0 0,-1-1 1 0 0,1 0-1 0 0,0 0 1 0 0,-1 0-1 0 0,1 0 1 0 0,0 0 0 0 0,-1 0-1 0 0,1-1 1 0 0,-3 0-1 0 0,-11-1 6355 0 0,30 10-5548 0 0,53 8 78 0 0,98 9 0 0 0,72-9 29 0 0,-84-1-701 0 0,-6 0-103 0 0,-30-12 433 0 0,-116-3-492 0 0,-8 0-284 0 0,0 0-1 0 0,0 0 1 0 0,0 1-1 0 0,-11 2 1 0 0,-3 1-7 0 0,-171 8 82 0 0,-67-17-177 0 0,190 5-42 0 0,-1 2 1 0 0,-83 14-1 0 0,149-16 111 0 0,0 1-1 0 0,0 0 1 0 0,0 0 0 0 0,0 0-1 0 0,0 0 1 0 0,0 1 0 0 0,1 0 0 0 0,-1-1-1 0 0,0 2 1 0 0,-5 3 0 0 0,9-6 75 0 0,14 8 77 0 0,10-2-12 0 0,0-2 1 0 0,32 3-1 0 0,-3 0 52 0 0,19 1 297 0 0,109-1-1 0 0,-94-6-176 0 0,215-11 626 0 0,-268 9-720 0 0,-19 0-125 0 0,0 1-1 0 0,-1-2 1 0 0,1 0-1 0 0,-1 0 1 0 0,28-10-1 0 0,-41 11-93 0 0,0-1-1 0 0,1 0 1 0 0,-1 0 0 0 0,0 0-1 0 0,0 0 1 0 0,0-1-1 0 0,0 1 1 0 0,0 0 0 0 0,0 0-1 0 0,0-4 1 0 0,-1 5-413 0 0,-8-11-3218 0 0</inkml:trace>
+</inkml:ink>
+</file>
+
+<file path=ppt/ink/ink4.xml><?xml version="1.0" encoding="utf-8"?>
+<inkml:ink xmlns:inkml="http://www.w3.org/2003/InkML">
+  <inkml:definitions>
+    <inkml:context xml:id="ctx0">
+      <inkml:inkSource xml:id="inkSrc0">
+        <inkml:traceFormat>
+          <inkml:channel name="X" type="integer" min="-2.14748E9" max="2.14748E9" units="cm"/>
+          <inkml:channel name="Y" type="integer" min="-2.14748E9" max="2.14748E9" units="cm"/>
+          <inkml:channel name="F" type="integer" max="32767" units="dev"/>
+          <inkml:channel name="OA" type="integer" max="360" units="deg"/>
+          <inkml:channel name="OE" type="integer" max="90" units="deg"/>
+        </inkml:traceFormat>
+        <inkml:channelProperties>
+          <inkml:channelProperty channel="X" name="resolution" value="1000" units="1/cm"/>
+          <inkml:channelProperty channel="Y" name="resolution" value="1000" units="1/cm"/>
+          <inkml:channelProperty channel="F" name="resolution" value="0" units="1/dev"/>
+          <inkml:channelProperty channel="OA" name="resolution" value="1000" units="1/deg"/>
+          <inkml:channelProperty channel="OE" name="resolution" value="1000" units="1/deg"/>
+        </inkml:channelProperties>
+      </inkml:inkSource>
+      <inkml:timestamp xml:id="ts0" timeString="2020-12-02T18:00:34.224"/>
+    </inkml:context>
+    <inkml:brush xml:id="br0">
+      <inkml:brushProperty name="width" value="0.05" units="cm"/>
+      <inkml:brushProperty name="height" value="0.05" units="cm"/>
+      <inkml:brushProperty name="color" value="#004F8B"/>
+    </inkml:brush>
+  </inkml:definitions>
+  <inkml:trace contextRef="#ctx0" brushRef="#br0">80 138 8752 0 0,'-35'2'1161'0'0,"20"0"1889"0"0,12-1-2417 0 0,1-1 0 0 0,-1 1 1 0 0,0-1-1 0 0,1 0 0 0 0,-1 0 0 0 0,1 0 1 0 0,-9-1 6125 0 0,17 4-5409 0 0,13 3-1161 0 0,363 19 3777 0 0,-103-31-2769 0 0,-149 0-359 0 0,418-43-822 0 0,-483 40 224 0 0,0-2 0 0 0,-2-4 0 0 0,100-35 0 0 0,-160 49-222 0 0,3-1-9 0 0,-1 0 0 0 0,0 0-1 0 0,0-1 1 0 0,0 1-1 0 0,0-1 1 0 0,0 0 0 0 0,-1-1-1 0 0,7-5 1 0 0,-20 17-1198 0 0,1 0-2367 0 0</inkml:trace>
+</inkml:ink>
+</file>
+
+<file path=ppt/ink/ink5.xml><?xml version="1.0" encoding="utf-8"?>
+<inkml:ink xmlns:inkml="http://www.w3.org/2003/InkML">
+  <inkml:definitions>
+    <inkml:context xml:id="ctx0">
+      <inkml:inkSource xml:id="inkSrc0">
+        <inkml:traceFormat>
+          <inkml:channel name="X" type="integer" min="-2.14748E9" max="2.14748E9" units="cm"/>
+          <inkml:channel name="Y" type="integer" min="-2.14748E9" max="2.14748E9" units="cm"/>
+          <inkml:channel name="F" type="integer" max="32767" units="dev"/>
+          <inkml:channel name="OA" type="integer" max="360" units="deg"/>
+          <inkml:channel name="OE" type="integer" max="90" units="deg"/>
+        </inkml:traceFormat>
+        <inkml:channelProperties>
+          <inkml:channelProperty channel="X" name="resolution" value="1000" units="1/cm"/>
+          <inkml:channelProperty channel="Y" name="resolution" value="1000" units="1/cm"/>
+          <inkml:channelProperty channel="F" name="resolution" value="0" units="1/dev"/>
+          <inkml:channelProperty channel="OA" name="resolution" value="1000" units="1/deg"/>
+          <inkml:channelProperty channel="OE" name="resolution" value="1000" units="1/deg"/>
+        </inkml:channelProperties>
+      </inkml:inkSource>
+      <inkml:timestamp xml:id="ts0" timeString="2020-12-02T18:00:35.421"/>
+    </inkml:context>
+    <inkml:brush xml:id="br0">
+      <inkml:brushProperty name="width" value="0.05" units="cm"/>
+      <inkml:brushProperty name="height" value="0.05" units="cm"/>
+      <inkml:brushProperty name="color" value="#004F8B"/>
+    </inkml:brush>
+  </inkml:definitions>
+  <inkml:trace contextRef="#ctx0" brushRef="#br0">60 102 13328 0 0,'-4'0'114'0'0,"1"-1"-1"0"0,-1 1 1 0 0,0-1 0 0 0,1 0 0 0 0,-5-2 0 0 0,-13-3 1675 0 0,9 6 5630 0 0,30 10-5687 0 0,-7-6-1400 0 0,1-1-1 0 0,-1-1 1 0 0,1 0-1 0 0,13 0 1 0 0,51 0 458 0 0,-57-2-750 0 0,278-18 1432 0 0,-285 17-1280 0 0,141-25 555 0 0,-138 23-598 0 0,13-5-13 0 0,-28 8-135 0 0,0 0 0 0 0,0 0 0 0 0,0 0 0 0 0,-1 0-1 0 0,1 0 1 0 0,0 0 0 0 0,0 0 0 0 0,0 0 0 0 0,0 0 0 0 0,0 0 0 0 0,0 0-1 0 0,0-1 1 0 0,0 1 0 0 0,0 0 0 0 0,-1 0 0 0 0,1 0 0 0 0,0 0 0 0 0,0 0 0 0 0,0 0-1 0 0,0 0 1 0 0,0 0 0 0 0,0 0 0 0 0,0 0 0 0 0,0 0 0 0 0,0-1 0 0 0,0 1-1 0 0,0 0 1 0 0,0 0 0 0 0,0 0 0 0 0,0 0 0 0 0,0 0 0 0 0,0 0 0 0 0,0 0 0 0 0,0-1-1 0 0,0 1 1 0 0,0 0 0 0 0,0 0 0 0 0,0 0 0 0 0,0 0 0 0 0,0 0 0 0 0,0 0-1 0 0,0 0 1 0 0,0 0 0 0 0,0-1 0 0 0,0 1 0 0 0,0 0 0 0 0,0 0 0 0 0,0 0-1 0 0,0 0 1 0 0,0 0 0 0 0,0 0 0 0 0,0 0 0 0 0,0 0 0 0 0,0 0 5 0 0,-159 7-507 0 0,124-4 549 0 0,-102 8-48 0 0,84-7-93 0 0,-19 1 1961 0 0,72-5-1884 0 0,1 0-112 0 0,11-1 185 0 0,0-1 1 0 0,0 0 0 0 0,0-1-1 0 0,11-4 1 0 0,-4 2-9 0 0,171-38 266 0 0,-171 40-279 0 0,0 2 1 0 0,22 0-1 0 0,-38 1-39 0 0,-12 13-250 0 0,1-6 266 0 0,0-2 0 0 0,0 1-1 0 0,-1-1 1 0 0,0 0 0 0 0,-17 6 0 0 0,-52 14 154 0 0,57-19-155 0 0,-167 41-238 0 0,49-14 84 0 0,114-29 142 0 0,19-3 0 0 0,0 0 0 0 0,1 0 0 0 0,-1 1 0 0 0,1-1 0 0 0,-7 3 0 0 0,23-2 56 0 0,7-2 49 0 0,158-27-201 0 0,-120 17 166 0 0,80-22 458 0 0,23-3-316 0 0,-127 30-186 0 0,-1-1 1 0 0,-1-1 0 0 0,1-2-1 0 0,37-16 1 0 0,-32 11-92 0 0,19-8-285 0 0,-54 20 335 0 0,1 0-1005 0 0</inkml:trace>
+</inkml:ink>
+</file>
+
+<file path=ppt/ink/ink6.xml><?xml version="1.0" encoding="utf-8"?>
+<inkml:ink xmlns:inkml="http://www.w3.org/2003/InkML">
+  <inkml:definitions>
+    <inkml:context xml:id="ctx0">
+      <inkml:inkSource xml:id="inkSrc0">
+        <inkml:traceFormat>
+          <inkml:channel name="X" type="integer" min="-2.14748E9" max="2.14748E9" units="cm"/>
+          <inkml:channel name="Y" type="integer" min="-2.14748E9" max="2.14748E9" units="cm"/>
+          <inkml:channel name="F" type="integer" max="32767" units="dev"/>
+          <inkml:channel name="OA" type="integer" max="360" units="deg"/>
+          <inkml:channel name="OE" type="integer" max="90" units="deg"/>
+        </inkml:traceFormat>
+        <inkml:channelProperties>
+          <inkml:channelProperty channel="X" name="resolution" value="1000" units="1/cm"/>
+          <inkml:channelProperty channel="Y" name="resolution" value="1000" units="1/cm"/>
+          <inkml:channelProperty channel="F" name="resolution" value="0" units="1/dev"/>
+          <inkml:channelProperty channel="OA" name="resolution" value="1000" units="1/deg"/>
+          <inkml:channelProperty channel="OE" name="resolution" value="1000" units="1/deg"/>
+        </inkml:channelProperties>
+      </inkml:inkSource>
+      <inkml:timestamp xml:id="ts0" timeString="2020-12-02T18:00:46.794"/>
+    </inkml:context>
+    <inkml:brush xml:id="br0">
+      <inkml:brushProperty name="width" value="0.05" units="cm"/>
+      <inkml:brushProperty name="height" value="0.05" units="cm"/>
+      <inkml:brushProperty name="color" value="#004F8B"/>
+    </inkml:brush>
+  </inkml:definitions>
+  <inkml:trace contextRef="#ctx0" brushRef="#br0">33 30 8032 0 0,'-8'-3'365'0'0,"6"2"240"0"0,-20 1 8198 0 0,29-5-8036 0 0,13-5-312 0 0,-7 7-198 0 0,0 0-1 0 0,0 1 1 0 0,1 0-1 0 0,-1 1 0 0 0,1 1 1 0 0,-1 0-1 0 0,0 1 1 0 0,1 1-1 0 0,24 5 0 0 0,-21-4-54 0 0,-1-1 0 0 0,1 0-1 0 0,23-2 1 0 0,-3 0 10 0 0,27 2 34 0 0,139 12 321 0 0,-6 11 24 0 0,-59-8-95 0 0,-17-7-196 0 0,-57-6 121 0 0,67-5 0 0 0,-35-2 94 0 0,214 8 149 0 0,-131 7-58 0 0,-88-6-348 0 0,47-2-76 0 0,-39-2-73 0 0,-15-1 37 0 0,68 5 364 0 0,-76 5-281 0 0,3-1 7 0 0,-40-4-131 0 0,-29-4-80 0 0,-5-1 5 0 0,1 0-1 0 0,-1-1 1 0 0,1 1-1 0 0,0-1 0 0 0,-1 0 1 0 0,8-2-1 0 0,-12 2-28 0 0,0 0 7 0 0,1 0 0 0 0,-1 0 0 0 0,0 0 0 0 0,0 0 0 0 0,0 0 0 0 0,1-1 0 0 0,-1 1 0 0 0,0 0 0 0 0,0-1 0 0 0,0 1 0 0 0,0-1 0 0 0,0 1 0 0 0,0-1 0 0 0,0 0 0 0 0,0 1 0 0 0,0-1 0 0 0,0 0 0 0 0,0 0 0 0 0,0 1 0 0 0,0-1 0 0 0,1-2 0 0 0,-2 3-97 0 0,0-3 858 0 0</inkml:trace>
+</inkml:ink>
 </file>
 
 <file path=ppt/notesMasters/notesMaster1.xml><?xml version="1.0" encoding="utf-8"?>
@@ -836,7 +1028,7 @@
           <a:p>
             <a:fld id="{3A2BF66F-FEB0-48C1-A8B9-A73F54BB1A08}" type="datetimeFigureOut">
               <a:rPr lang="en-US" smtClean="0"/>
-              <a:t>12/1/2020</a:t>
+              <a:t>12/2/2020</a:t>
             </a:fld>
             <a:endParaRPr lang="en-US"/>
           </a:p>
@@ -1036,7 +1228,7 @@
           <a:p>
             <a:fld id="{3A2BF66F-FEB0-48C1-A8B9-A73F54BB1A08}" type="datetimeFigureOut">
               <a:rPr lang="en-US" smtClean="0"/>
-              <a:t>12/1/2020</a:t>
+              <a:t>12/2/2020</a:t>
             </a:fld>
             <a:endParaRPr lang="en-US"/>
           </a:p>
@@ -1246,7 +1438,7 @@
           <a:p>
             <a:fld id="{3A2BF66F-FEB0-48C1-A8B9-A73F54BB1A08}" type="datetimeFigureOut">
               <a:rPr lang="en-US" smtClean="0"/>
-              <a:t>12/1/2020</a:t>
+              <a:t>12/2/2020</a:t>
             </a:fld>
             <a:endParaRPr lang="en-US"/>
           </a:p>
@@ -1446,7 +1638,7 @@
           <a:p>
             <a:fld id="{3A2BF66F-FEB0-48C1-A8B9-A73F54BB1A08}" type="datetimeFigureOut">
               <a:rPr lang="en-US" smtClean="0"/>
-              <a:t>12/1/2020</a:t>
+              <a:t>12/2/2020</a:t>
             </a:fld>
             <a:endParaRPr lang="en-US"/>
           </a:p>
@@ -1723,7 +1915,7 @@
           <a:p>
             <a:fld id="{3A2BF66F-FEB0-48C1-A8B9-A73F54BB1A08}" type="datetimeFigureOut">
               <a:rPr lang="en-US" smtClean="0"/>
-              <a:t>12/1/2020</a:t>
+              <a:t>12/2/2020</a:t>
             </a:fld>
             <a:endParaRPr lang="en-US"/>
           </a:p>
@@ -1990,7 +2182,7 @@
           <a:p>
             <a:fld id="{3A2BF66F-FEB0-48C1-A8B9-A73F54BB1A08}" type="datetimeFigureOut">
               <a:rPr lang="en-US" smtClean="0"/>
-              <a:t>12/1/2020</a:t>
+              <a:t>12/2/2020</a:t>
             </a:fld>
             <a:endParaRPr lang="en-US"/>
           </a:p>
@@ -2404,7 +2596,7 @@
           <a:p>
             <a:fld id="{3A2BF66F-FEB0-48C1-A8B9-A73F54BB1A08}" type="datetimeFigureOut">
               <a:rPr lang="en-US" smtClean="0"/>
-              <a:t>12/1/2020</a:t>
+              <a:t>12/2/2020</a:t>
             </a:fld>
             <a:endParaRPr lang="en-US"/>
           </a:p>
@@ -2547,7 +2739,7 @@
           <a:p>
             <a:fld id="{3A2BF66F-FEB0-48C1-A8B9-A73F54BB1A08}" type="datetimeFigureOut">
               <a:rPr lang="en-US" smtClean="0"/>
-              <a:t>12/1/2020</a:t>
+              <a:t>12/2/2020</a:t>
             </a:fld>
             <a:endParaRPr lang="en-US"/>
           </a:p>
@@ -2662,7 +2854,7 @@
           <a:p>
             <a:fld id="{3A2BF66F-FEB0-48C1-A8B9-A73F54BB1A08}" type="datetimeFigureOut">
               <a:rPr lang="en-US" smtClean="0"/>
-              <a:t>12/1/2020</a:t>
+              <a:t>12/2/2020</a:t>
             </a:fld>
             <a:endParaRPr lang="en-US"/>
           </a:p>
@@ -2974,7 +3166,7 @@
           <a:p>
             <a:fld id="{3A2BF66F-FEB0-48C1-A8B9-A73F54BB1A08}" type="datetimeFigureOut">
               <a:rPr lang="en-US" smtClean="0"/>
-              <a:t>12/1/2020</a:t>
+              <a:t>12/2/2020</a:t>
             </a:fld>
             <a:endParaRPr lang="en-US"/>
           </a:p>
@@ -3264,7 +3456,7 @@
           <a:p>
             <a:fld id="{3A2BF66F-FEB0-48C1-A8B9-A73F54BB1A08}" type="datetimeFigureOut">
               <a:rPr lang="en-US" smtClean="0"/>
-              <a:t>12/1/2020</a:t>
+              <a:t>12/2/2020</a:t>
             </a:fld>
             <a:endParaRPr lang="en-US"/>
           </a:p>
@@ -3507,7 +3699,7 @@
           <a:p>
             <a:fld id="{3A2BF66F-FEB0-48C1-A8B9-A73F54BB1A08}" type="datetimeFigureOut">
               <a:rPr lang="en-US" smtClean="0"/>
-              <a:t>12/1/2020</a:t>
+              <a:t>12/2/2020</a:t>
             </a:fld>
             <a:endParaRPr lang="en-US"/>
           </a:p>
@@ -4178,6 +4370,261 @@
           </a:p>
         </p:txBody>
       </p:sp>
+      <mc:AlternateContent xmlns:mc="http://schemas.openxmlformats.org/markup-compatibility/2006">
+        <mc:Choice xmlns:p14="http://schemas.microsoft.com/office/powerpoint/2010/main" Requires="p14">
+          <p:contentPart p14:bwMode="auto" r:id="rId2">
+            <p14:nvContentPartPr>
+              <p14:cNvPr id="4" name="Ink 3">
+                <a:extLst>
+                  <a:ext uri="{FF2B5EF4-FFF2-40B4-BE49-F238E27FC236}">
+                    <a16:creationId xmlns:a16="http://schemas.microsoft.com/office/drawing/2014/main" id="{BCE757D2-6E52-439A-9910-AA394650FFAB}"/>
+                  </a:ext>
+                </a:extLst>
+              </p14:cNvPr>
+              <p14:cNvContentPartPr/>
+              <p14:nvPr/>
+            </p14:nvContentPartPr>
+            <p14:xfrm>
+              <a:off x="2229409" y="1751299"/>
+              <a:ext cx="570240" cy="31680"/>
+            </p14:xfrm>
+          </p:contentPart>
+        </mc:Choice>
+        <mc:Fallback>
+          <p:pic>
+            <p:nvPicPr>
+              <p:cNvPr id="4" name="Ink 3">
+                <a:extLst>
+                  <a:ext uri="{FF2B5EF4-FFF2-40B4-BE49-F238E27FC236}">
+                    <a16:creationId xmlns:a16="http://schemas.microsoft.com/office/drawing/2014/main" id="{BCE757D2-6E52-439A-9910-AA394650FFAB}"/>
+                  </a:ext>
+                </a:extLst>
+              </p:cNvPr>
+              <p:cNvPicPr/>
+              <p:nvPr/>
+            </p:nvPicPr>
+            <p:blipFill>
+              <a:blip r:embed="rId3"/>
+              <a:stretch>
+                <a:fillRect/>
+              </a:stretch>
+            </p:blipFill>
+            <p:spPr>
+              <a:xfrm>
+                <a:off x="2220409" y="1742659"/>
+                <a:ext cx="587880" cy="49320"/>
+              </a:xfrm>
+              <a:prstGeom prst="rect">
+                <a:avLst/>
+              </a:prstGeom>
+            </p:spPr>
+          </p:pic>
+        </mc:Fallback>
+      </mc:AlternateContent>
+      <mc:AlternateContent xmlns:mc="http://schemas.openxmlformats.org/markup-compatibility/2006">
+        <mc:Choice xmlns:p14="http://schemas.microsoft.com/office/powerpoint/2010/main" Requires="p14">
+          <p:contentPart p14:bwMode="auto" r:id="rId4">
+            <p14:nvContentPartPr>
+              <p14:cNvPr id="5" name="Ink 4">
+                <a:extLst>
+                  <a:ext uri="{FF2B5EF4-FFF2-40B4-BE49-F238E27FC236}">
+                    <a16:creationId xmlns:a16="http://schemas.microsoft.com/office/drawing/2014/main" id="{863C3CA2-68B5-44FE-BFA6-6624658A1B21}"/>
+                  </a:ext>
+                </a:extLst>
+              </p14:cNvPr>
+              <p14:cNvContentPartPr/>
+              <p14:nvPr/>
+            </p14:nvContentPartPr>
+            <p14:xfrm>
+              <a:off x="2393209" y="2153779"/>
+              <a:ext cx="390240" cy="35280"/>
+            </p14:xfrm>
+          </p:contentPart>
+        </mc:Choice>
+        <mc:Fallback>
+          <p:pic>
+            <p:nvPicPr>
+              <p:cNvPr id="5" name="Ink 4">
+                <a:extLst>
+                  <a:ext uri="{FF2B5EF4-FFF2-40B4-BE49-F238E27FC236}">
+                    <a16:creationId xmlns:a16="http://schemas.microsoft.com/office/drawing/2014/main" id="{863C3CA2-68B5-44FE-BFA6-6624658A1B21}"/>
+                  </a:ext>
+                </a:extLst>
+              </p:cNvPr>
+              <p:cNvPicPr/>
+              <p:nvPr/>
+            </p:nvPicPr>
+            <p:blipFill>
+              <a:blip r:embed="rId5"/>
+              <a:stretch>
+                <a:fillRect/>
+              </a:stretch>
+            </p:blipFill>
+            <p:spPr>
+              <a:xfrm>
+                <a:off x="2384569" y="2145139"/>
+                <a:ext cx="407880" cy="52920"/>
+              </a:xfrm>
+              <a:prstGeom prst="rect">
+                <a:avLst/>
+              </a:prstGeom>
+            </p:spPr>
+          </p:pic>
+        </mc:Fallback>
+      </mc:AlternateContent>
+      <mc:AlternateContent xmlns:mc="http://schemas.openxmlformats.org/markup-compatibility/2006">
+        <mc:Choice xmlns:p14="http://schemas.microsoft.com/office/powerpoint/2010/main" Requires="p14">
+          <p:contentPart p14:bwMode="auto" r:id="rId6">
+            <p14:nvContentPartPr>
+              <p14:cNvPr id="6" name="Ink 5">
+                <a:extLst>
+                  <a:ext uri="{FF2B5EF4-FFF2-40B4-BE49-F238E27FC236}">
+                    <a16:creationId xmlns:a16="http://schemas.microsoft.com/office/drawing/2014/main" id="{F7FEC537-41AE-4420-9F60-F1519FCE1294}"/>
+                  </a:ext>
+                </a:extLst>
+              </p14:cNvPr>
+              <p14:cNvContentPartPr/>
+              <p14:nvPr/>
+            </p14:nvContentPartPr>
+            <p14:xfrm>
+              <a:off x="857809" y="2573179"/>
+              <a:ext cx="366480" cy="71280"/>
+            </p14:xfrm>
+          </p:contentPart>
+        </mc:Choice>
+        <mc:Fallback>
+          <p:pic>
+            <p:nvPicPr>
+              <p:cNvPr id="6" name="Ink 5">
+                <a:extLst>
+                  <a:ext uri="{FF2B5EF4-FFF2-40B4-BE49-F238E27FC236}">
+                    <a16:creationId xmlns:a16="http://schemas.microsoft.com/office/drawing/2014/main" id="{F7FEC537-41AE-4420-9F60-F1519FCE1294}"/>
+                  </a:ext>
+                </a:extLst>
+              </p:cNvPr>
+              <p:cNvPicPr/>
+              <p:nvPr/>
+            </p:nvPicPr>
+            <p:blipFill>
+              <a:blip r:embed="rId7"/>
+              <a:stretch>
+                <a:fillRect/>
+              </a:stretch>
+            </p:blipFill>
+            <p:spPr>
+              <a:xfrm>
+                <a:off x="848809" y="2564179"/>
+                <a:ext cx="384120" cy="88920"/>
+              </a:xfrm>
+              <a:prstGeom prst="rect">
+                <a:avLst/>
+              </a:prstGeom>
+            </p:spPr>
+          </p:pic>
+        </mc:Fallback>
+      </mc:AlternateContent>
+      <mc:AlternateContent xmlns:mc="http://schemas.openxmlformats.org/markup-compatibility/2006">
+        <mc:Choice xmlns:p14="http://schemas.microsoft.com/office/powerpoint/2010/main" Requires="p14">
+          <p:contentPart p14:bwMode="auto" r:id="rId8">
+            <p14:nvContentPartPr>
+              <p14:cNvPr id="7" name="Ink 6">
+                <a:extLst>
+                  <a:ext uri="{FF2B5EF4-FFF2-40B4-BE49-F238E27FC236}">
+                    <a16:creationId xmlns:a16="http://schemas.microsoft.com/office/drawing/2014/main" id="{4AAA24B6-10BF-480C-9539-DDA11B6CD579}"/>
+                  </a:ext>
+                </a:extLst>
+              </p14:cNvPr>
+              <p14:cNvContentPartPr/>
+              <p14:nvPr/>
+            </p14:nvContentPartPr>
+            <p14:xfrm>
+              <a:off x="1902889" y="2537179"/>
+              <a:ext cx="639000" cy="63720"/>
+            </p14:xfrm>
+          </p:contentPart>
+        </mc:Choice>
+        <mc:Fallback>
+          <p:pic>
+            <p:nvPicPr>
+              <p:cNvPr id="7" name="Ink 6">
+                <a:extLst>
+                  <a:ext uri="{FF2B5EF4-FFF2-40B4-BE49-F238E27FC236}">
+                    <a16:creationId xmlns:a16="http://schemas.microsoft.com/office/drawing/2014/main" id="{4AAA24B6-10BF-480C-9539-DDA11B6CD579}"/>
+                  </a:ext>
+                </a:extLst>
+              </p:cNvPr>
+              <p:cNvPicPr/>
+              <p:nvPr/>
+            </p:nvPicPr>
+            <p:blipFill>
+              <a:blip r:embed="rId9"/>
+              <a:stretch>
+                <a:fillRect/>
+              </a:stretch>
+            </p:blipFill>
+            <p:spPr>
+              <a:xfrm>
+                <a:off x="1894249" y="2528179"/>
+                <a:ext cx="656640" cy="81360"/>
+              </a:xfrm>
+              <a:prstGeom prst="rect">
+                <a:avLst/>
+              </a:prstGeom>
+            </p:spPr>
+          </p:pic>
+        </mc:Fallback>
+      </mc:AlternateContent>
+      <mc:AlternateContent xmlns:mc="http://schemas.openxmlformats.org/markup-compatibility/2006">
+        <mc:Choice xmlns:p14="http://schemas.microsoft.com/office/powerpoint/2010/main" Requires="p14">
+          <p:contentPart p14:bwMode="auto" r:id="rId10">
+            <p14:nvContentPartPr>
+              <p14:cNvPr id="8" name="Ink 7">
+                <a:extLst>
+                  <a:ext uri="{FF2B5EF4-FFF2-40B4-BE49-F238E27FC236}">
+                    <a16:creationId xmlns:a16="http://schemas.microsoft.com/office/drawing/2014/main" id="{47266C87-8146-467B-A99D-5C343D9925CA}"/>
+                  </a:ext>
+                </a:extLst>
+              </p14:cNvPr>
+              <p14:cNvContentPartPr/>
+              <p14:nvPr/>
+            </p14:nvContentPartPr>
+            <p14:xfrm>
+              <a:off x="4098889" y="2563459"/>
+              <a:ext cx="313200" cy="70920"/>
+            </p14:xfrm>
+          </p:contentPart>
+        </mc:Choice>
+        <mc:Fallback>
+          <p:pic>
+            <p:nvPicPr>
+              <p:cNvPr id="8" name="Ink 7">
+                <a:extLst>
+                  <a:ext uri="{FF2B5EF4-FFF2-40B4-BE49-F238E27FC236}">
+                    <a16:creationId xmlns:a16="http://schemas.microsoft.com/office/drawing/2014/main" id="{47266C87-8146-467B-A99D-5C343D9925CA}"/>
+                  </a:ext>
+                </a:extLst>
+              </p:cNvPr>
+              <p:cNvPicPr/>
+              <p:nvPr/>
+            </p:nvPicPr>
+            <p:blipFill>
+              <a:blip r:embed="rId11"/>
+              <a:stretch>
+                <a:fillRect/>
+              </a:stretch>
+            </p:blipFill>
+            <p:spPr>
+              <a:xfrm>
+                <a:off x="4090249" y="2554459"/>
+                <a:ext cx="330840" cy="88560"/>
+              </a:xfrm>
+              <a:prstGeom prst="rect">
+                <a:avLst/>
+              </a:prstGeom>
+            </p:spPr>
+          </p:pic>
+        </mc:Fallback>
+      </mc:AlternateContent>
     </p:spTree>
     <p:extLst>
       <p:ext uri="{BB962C8B-B14F-4D97-AF65-F5344CB8AC3E}">
@@ -4273,6 +4720,57 @@
           </a:p>
         </p:txBody>
       </p:sp>
+      <mc:AlternateContent xmlns:mc="http://schemas.openxmlformats.org/markup-compatibility/2006">
+        <mc:Choice xmlns:p14="http://schemas.microsoft.com/office/powerpoint/2010/main" Requires="p14">
+          <p:contentPart p14:bwMode="auto" r:id="rId2">
+            <p14:nvContentPartPr>
+              <p14:cNvPr id="4" name="Ink 3">
+                <a:extLst>
+                  <a:ext uri="{FF2B5EF4-FFF2-40B4-BE49-F238E27FC236}">
+                    <a16:creationId xmlns:a16="http://schemas.microsoft.com/office/drawing/2014/main" id="{526CC349-8DAE-4660-BE6B-364AB3865637}"/>
+                  </a:ext>
+                </a:extLst>
+              </p14:cNvPr>
+              <p14:cNvContentPartPr/>
+              <p14:nvPr/>
+            </p14:nvContentPartPr>
+            <p14:xfrm>
+              <a:off x="885169" y="1734019"/>
+              <a:ext cx="956160" cy="55440"/>
+            </p14:xfrm>
+          </p:contentPart>
+        </mc:Choice>
+        <mc:Fallback>
+          <p:pic>
+            <p:nvPicPr>
+              <p:cNvPr id="4" name="Ink 3">
+                <a:extLst>
+                  <a:ext uri="{FF2B5EF4-FFF2-40B4-BE49-F238E27FC236}">
+                    <a16:creationId xmlns:a16="http://schemas.microsoft.com/office/drawing/2014/main" id="{526CC349-8DAE-4660-BE6B-364AB3865637}"/>
+                  </a:ext>
+                </a:extLst>
+              </p:cNvPr>
+              <p:cNvPicPr/>
+              <p:nvPr/>
+            </p:nvPicPr>
+            <p:blipFill>
+              <a:blip r:embed="rId3"/>
+              <a:stretch>
+                <a:fillRect/>
+              </a:stretch>
+            </p:blipFill>
+            <p:spPr>
+              <a:xfrm>
+                <a:off x="876529" y="1725019"/>
+                <a:ext cx="973800" cy="73080"/>
+              </a:xfrm>
+              <a:prstGeom prst="rect">
+                <a:avLst/>
+              </a:prstGeom>
+            </p:spPr>
+          </p:pic>
+        </mc:Fallback>
+      </mc:AlternateContent>
     </p:spTree>
     <p:extLst>
       <p:ext uri="{BB962C8B-B14F-4D97-AF65-F5344CB8AC3E}">
